--- a/presentacionpptx/flexbox.pptx
+++ b/presentacionpptx/flexbox.pptx
@@ -4537,7 +4537,7 @@
         </p:blipFill>
         <p:spPr>
           <a:xfrm>
-            <a:off x="6219034" y="2244852"/>
+            <a:off x="6201278" y="3691912"/>
             <a:ext cx="5382376" cy="1505160"/>
           </a:xfrm>
           <a:prstGeom prst="rect">
@@ -4559,7 +4559,7 @@
         </p:nvSpPr>
         <p:spPr>
           <a:xfrm>
-            <a:off x="1100831" y="2112886"/>
+            <a:off x="914399" y="3429000"/>
             <a:ext cx="4802819" cy="2308324"/>
           </a:xfrm>
           <a:prstGeom prst="rect">
@@ -4642,6 +4642,68 @@
           </a:p>
           <a:p>
             <a:endParaRPr lang="es-CO" sz="2400" dirty="0"/>
+          </a:p>
+        </p:txBody>
+      </p:sp>
+      <p:pic>
+        <p:nvPicPr>
+          <p:cNvPr id="3" name="Imagen 2">
+            <a:extLst>
+              <a:ext uri="{FF2B5EF4-FFF2-40B4-BE49-F238E27FC236}">
+                <a16:creationId xmlns:a16="http://schemas.microsoft.com/office/drawing/2014/main" id="{75327A7D-C420-4408-88CB-6677657CE92D}"/>
+              </a:ext>
+            </a:extLst>
+          </p:cNvPr>
+          <p:cNvPicPr>
+            <a:picLocks noChangeAspect="1"/>
+          </p:cNvPicPr>
+          <p:nvPr/>
+        </p:nvPicPr>
+        <p:blipFill>
+          <a:blip r:embed="rId4"/>
+          <a:stretch>
+            <a:fillRect/>
+          </a:stretch>
+        </p:blipFill>
+        <p:spPr>
+          <a:xfrm>
+            <a:off x="6201278" y="1430691"/>
+            <a:ext cx="3724795" cy="676369"/>
+          </a:xfrm>
+          <a:prstGeom prst="rect">
+            <a:avLst/>
+          </a:prstGeom>
+        </p:spPr>
+      </p:pic>
+      <p:sp>
+        <p:nvSpPr>
+          <p:cNvPr id="4" name="CuadroTexto 3">
+            <a:extLst>
+              <a:ext uri="{FF2B5EF4-FFF2-40B4-BE49-F238E27FC236}">
+                <a16:creationId xmlns:a16="http://schemas.microsoft.com/office/drawing/2014/main" id="{41CABF25-F078-4AFC-A212-F2105B52F955}"/>
+              </a:ext>
+            </a:extLst>
+          </p:cNvPr>
+          <p:cNvSpPr txBox="1"/>
+          <p:nvPr/>
+        </p:nvSpPr>
+        <p:spPr>
+          <a:xfrm>
+            <a:off x="1020932" y="1358283"/>
+            <a:ext cx="184731" cy="369332"/>
+          </a:xfrm>
+          <a:prstGeom prst="rect">
+            <a:avLst/>
+          </a:prstGeom>
+          <a:noFill/>
+        </p:spPr>
+        <p:txBody>
+          <a:bodyPr wrap="none" rtlCol="0">
+            <a:spAutoFit/>
+          </a:bodyPr>
+          <a:lstStyle/>
+          <a:p>
+            <a:endParaRPr lang="es-CO" dirty="0"/>
           </a:p>
         </p:txBody>
       </p:sp>

--- a/presentacionpptx/flexbox.pptx
+++ b/presentacionpptx/flexbox.pptx
@@ -4537,7 +4537,7 @@
         </p:blipFill>
         <p:spPr>
           <a:xfrm>
-            <a:off x="6201278" y="3691912"/>
+            <a:off x="6219034" y="2244852"/>
             <a:ext cx="5382376" cy="1505160"/>
           </a:xfrm>
           <a:prstGeom prst="rect">
@@ -4559,7 +4559,7 @@
         </p:nvSpPr>
         <p:spPr>
           <a:xfrm>
-            <a:off x="914399" y="3429000"/>
+            <a:off x="1100831" y="2112886"/>
             <a:ext cx="4802819" cy="2308324"/>
           </a:xfrm>
           <a:prstGeom prst="rect">
@@ -4642,68 +4642,6 @@
           </a:p>
           <a:p>
             <a:endParaRPr lang="es-CO" sz="2400" dirty="0"/>
-          </a:p>
-        </p:txBody>
-      </p:sp>
-      <p:pic>
-        <p:nvPicPr>
-          <p:cNvPr id="3" name="Imagen 2">
-            <a:extLst>
-              <a:ext uri="{FF2B5EF4-FFF2-40B4-BE49-F238E27FC236}">
-                <a16:creationId xmlns:a16="http://schemas.microsoft.com/office/drawing/2014/main" id="{75327A7D-C420-4408-88CB-6677657CE92D}"/>
-              </a:ext>
-            </a:extLst>
-          </p:cNvPr>
-          <p:cNvPicPr>
-            <a:picLocks noChangeAspect="1"/>
-          </p:cNvPicPr>
-          <p:nvPr/>
-        </p:nvPicPr>
-        <p:blipFill>
-          <a:blip r:embed="rId4"/>
-          <a:stretch>
-            <a:fillRect/>
-          </a:stretch>
-        </p:blipFill>
-        <p:spPr>
-          <a:xfrm>
-            <a:off x="6201278" y="1430691"/>
-            <a:ext cx="3724795" cy="676369"/>
-          </a:xfrm>
-          <a:prstGeom prst="rect">
-            <a:avLst/>
-          </a:prstGeom>
-        </p:spPr>
-      </p:pic>
-      <p:sp>
-        <p:nvSpPr>
-          <p:cNvPr id="4" name="CuadroTexto 3">
-            <a:extLst>
-              <a:ext uri="{FF2B5EF4-FFF2-40B4-BE49-F238E27FC236}">
-                <a16:creationId xmlns:a16="http://schemas.microsoft.com/office/drawing/2014/main" id="{41CABF25-F078-4AFC-A212-F2105B52F955}"/>
-              </a:ext>
-            </a:extLst>
-          </p:cNvPr>
-          <p:cNvSpPr txBox="1"/>
-          <p:nvPr/>
-        </p:nvSpPr>
-        <p:spPr>
-          <a:xfrm>
-            <a:off x="1020932" y="1358283"/>
-            <a:ext cx="184731" cy="369332"/>
-          </a:xfrm>
-          <a:prstGeom prst="rect">
-            <a:avLst/>
-          </a:prstGeom>
-          <a:noFill/>
-        </p:spPr>
-        <p:txBody>
-          <a:bodyPr wrap="none" rtlCol="0">
-            <a:spAutoFit/>
-          </a:bodyPr>
-          <a:lstStyle/>
-          <a:p>
-            <a:endParaRPr lang="es-CO" dirty="0"/>
           </a:p>
         </p:txBody>
       </p:sp>

--- a/presentacionpptx/flexbox.pptx
+++ b/presentacionpptx/flexbox.pptx
@@ -4537,7 +4537,7 @@
         </p:blipFill>
         <p:spPr>
           <a:xfrm>
-            <a:off x="6219034" y="2244852"/>
+            <a:off x="6288352" y="4038142"/>
             <a:ext cx="5382376" cy="1505160"/>
           </a:xfrm>
           <a:prstGeom prst="rect">
@@ -4559,7 +4559,7 @@
         </p:nvSpPr>
         <p:spPr>
           <a:xfrm>
-            <a:off x="1100831" y="2112886"/>
+            <a:off x="1216241" y="3755255"/>
             <a:ext cx="4802819" cy="2308324"/>
           </a:xfrm>
           <a:prstGeom prst="rect">
@@ -4645,6 +4645,36 @@
           </a:p>
         </p:txBody>
       </p:sp>
+      <p:pic>
+        <p:nvPicPr>
+          <p:cNvPr id="3" name="Imagen 2">
+            <a:extLst>
+              <a:ext uri="{FF2B5EF4-FFF2-40B4-BE49-F238E27FC236}">
+                <a16:creationId xmlns:a16="http://schemas.microsoft.com/office/drawing/2014/main" id="{8CC4878F-04D0-4A47-8029-20E8D258CDC3}"/>
+              </a:ext>
+            </a:extLst>
+          </p:cNvPr>
+          <p:cNvPicPr>
+            <a:picLocks noChangeAspect="1"/>
+          </p:cNvPicPr>
+          <p:nvPr/>
+        </p:nvPicPr>
+        <p:blipFill>
+          <a:blip r:embed="rId4"/>
+          <a:stretch>
+            <a:fillRect/>
+          </a:stretch>
+        </p:blipFill>
+        <p:spPr>
+          <a:xfrm>
+            <a:off x="6288352" y="1630985"/>
+            <a:ext cx="3620005" cy="790685"/>
+          </a:xfrm>
+          <a:prstGeom prst="rect">
+            <a:avLst/>
+          </a:prstGeom>
+        </p:spPr>
+      </p:pic>
     </p:spTree>
     <p:extLst>
       <p:ext uri="{BB962C8B-B14F-4D97-AF65-F5344CB8AC3E}">

--- a/presentacionpptx/flexbox.pptx
+++ b/presentacionpptx/flexbox.pptx
@@ -5,19 +5,20 @@
     <p:sldMasterId id="2147483648" r:id="rId1"/>
   </p:sldMasterIdLst>
   <p:notesMasterIdLst>
-    <p:notesMasterId r:id="rId9"/>
+    <p:notesMasterId r:id="rId10"/>
   </p:notesMasterIdLst>
   <p:handoutMasterIdLst>
-    <p:handoutMasterId r:id="rId10"/>
+    <p:handoutMasterId r:id="rId11"/>
   </p:handoutMasterIdLst>
   <p:sldIdLst>
     <p:sldId id="538" r:id="rId2"/>
     <p:sldId id="535" r:id="rId3"/>
-    <p:sldId id="541" r:id="rId4"/>
-    <p:sldId id="537" r:id="rId5"/>
-    <p:sldId id="536" r:id="rId6"/>
-    <p:sldId id="532" r:id="rId7"/>
-    <p:sldId id="531" r:id="rId8"/>
+    <p:sldId id="543" r:id="rId4"/>
+    <p:sldId id="541" r:id="rId5"/>
+    <p:sldId id="537" r:id="rId6"/>
+    <p:sldId id="536" r:id="rId7"/>
+    <p:sldId id="532" r:id="rId8"/>
+    <p:sldId id="531" r:id="rId9"/>
   </p:sldIdLst>
   <p:sldSz cx="12192000" cy="6858000"/>
   <p:notesSz cx="6858000" cy="9144000"/>
@@ -4382,7 +4383,33 @@
                 <a:ea typeface="+mn-ea"/>
                 <a:cs typeface="+mn-cs"/>
               </a:rPr>
-              <a:t>Aplicar Flex -box a una landing page con el objetivo de organizar elementos en un contenedor</a:t>
+              <a:t>Aplicar Flex -box a una landing page con el objetivo de organizar elementos en </a:t>
+            </a:r>
+            <a:r>
+              <a:rPr lang="es-ES" sz="2000" dirty="0">
+                <a:solidFill>
+                  <a:prstClr val="black"/>
+                </a:solidFill>
+                <a:latin typeface="Work Sans Light Roman" pitchFamily="2" charset="77"/>
+              </a:rPr>
+              <a:t>los </a:t>
+            </a:r>
+            <a:r>
+              <a:rPr kumimoji="0" lang="es-ES" sz="2000" b="0" i="0" u="none" strike="noStrike" kern="1200" cap="none" spc="0" normalizeH="0" baseline="0" noProof="0" dirty="0">
+                <a:ln>
+                  <a:noFill/>
+                </a:ln>
+                <a:solidFill>
+                  <a:prstClr val="black"/>
+                </a:solidFill>
+                <a:effectLst/>
+                <a:uLnTx/>
+                <a:uFillTx/>
+                <a:latin typeface="Work Sans Light Roman" pitchFamily="2" charset="77"/>
+                <a:ea typeface="+mn-ea"/>
+                <a:cs typeface="+mn-cs"/>
+              </a:rPr>
+              <a:t> contenedores</a:t>
             </a:r>
             <a:r>
               <a:rPr lang="es-ES" sz="2000" dirty="0">
@@ -4515,52 +4542,22 @@
           <a:chExt cx="0" cy="0"/>
         </a:xfrm>
       </p:grpSpPr>
-      <p:pic>
-        <p:nvPicPr>
-          <p:cNvPr id="2" name="Imagen 1">
-            <a:extLst>
-              <a:ext uri="{FF2B5EF4-FFF2-40B4-BE49-F238E27FC236}">
-                <a16:creationId xmlns:a16="http://schemas.microsoft.com/office/drawing/2014/main" id="{EF4A88D4-C7DF-4C3F-8451-C71AA4F34643}"/>
-              </a:ext>
-            </a:extLst>
-          </p:cNvPr>
-          <p:cNvPicPr>
-            <a:picLocks noChangeAspect="1"/>
-          </p:cNvPicPr>
+      <p:sp>
+        <p:nvSpPr>
+          <p:cNvPr id="5" name="CuadroTexto 4">
+            <a:extLst>
+              <a:ext uri="{FF2B5EF4-FFF2-40B4-BE49-F238E27FC236}">
+                <a16:creationId xmlns:a16="http://schemas.microsoft.com/office/drawing/2014/main" id="{6400041C-5BD4-4402-A482-5C10130604A6}"/>
+              </a:ext>
+            </a:extLst>
+          </p:cNvPr>
+          <p:cNvSpPr txBox="1"/>
           <p:nvPr/>
-        </p:nvPicPr>
-        <p:blipFill>
-          <a:blip r:embed="rId3"/>
-          <a:stretch>
-            <a:fillRect/>
-          </a:stretch>
-        </p:blipFill>
+        </p:nvSpPr>
         <p:spPr>
           <a:xfrm>
-            <a:off x="6288352" y="4038142"/>
-            <a:ext cx="5382376" cy="1505160"/>
-          </a:xfrm>
-          <a:prstGeom prst="rect">
-            <a:avLst/>
-          </a:prstGeom>
-        </p:spPr>
-      </p:pic>
-      <p:sp>
-        <p:nvSpPr>
-          <p:cNvPr id="7" name="CuadroTexto 6">
-            <a:extLst>
-              <a:ext uri="{FF2B5EF4-FFF2-40B4-BE49-F238E27FC236}">
-                <a16:creationId xmlns:a16="http://schemas.microsoft.com/office/drawing/2014/main" id="{0FF2FF77-5E76-4B96-B619-313F8408BF9B}"/>
-              </a:ext>
-            </a:extLst>
-          </p:cNvPr>
-          <p:cNvSpPr txBox="1"/>
-          <p:nvPr/>
-        </p:nvSpPr>
-        <p:spPr>
-          <a:xfrm>
-            <a:off x="1216241" y="3755255"/>
-            <a:ext cx="4802819" cy="2308324"/>
+            <a:off x="1447061" y="1933943"/>
+            <a:ext cx="4089196" cy="2677656"/>
           </a:xfrm>
           <a:prstGeom prst="rect">
             <a:avLst/>
@@ -4568,26 +4565,23 @@
           <a:noFill/>
         </p:spPr>
         <p:txBody>
-          <a:bodyPr wrap="square" rtlCol="0">
+          <a:bodyPr wrap="none" rtlCol="0">
             <a:spAutoFit/>
           </a:bodyPr>
           <a:lstStyle/>
           <a:p>
             <a:r>
               <a:rPr lang="es-ES" sz="2400" dirty="0"/>
-              <a:t>Se agrega </a:t>
-            </a:r>
+              <a:t>Propiedades utilizadas</a:t>
+            </a:r>
+          </a:p>
+          <a:p>
+            <a:endParaRPr lang="es-ES" sz="2400" dirty="0"/>
+          </a:p>
+          <a:p>
             <a:r>
               <a:rPr lang="es-ES" sz="2400" dirty="0" err="1"/>
-              <a:t>flex</a:t>
-            </a:r>
-            <a:r>
-              <a:rPr lang="es-ES" sz="2400" dirty="0"/>
-              <a:t>-box , </a:t>
-            </a:r>
-            <a:r>
-              <a:rPr lang="es-ES" sz="2400" dirty="0" err="1"/>
-              <a:t>diaplay</a:t>
+              <a:t>Justify-content</a:t>
             </a:r>
             <a:r>
               <a:rPr lang="es-ES" sz="2400" dirty="0"/>
@@ -4595,7 +4589,41 @@
             </a:r>
             <a:r>
               <a:rPr lang="es-ES" sz="2400" dirty="0" err="1"/>
-              <a:t>flex</a:t>
+              <a:t>space-around</a:t>
+            </a:r>
+            <a:endParaRPr lang="es-ES" sz="2400" dirty="0"/>
+          </a:p>
+          <a:p>
+            <a:r>
+              <a:rPr lang="es-ES" sz="2400" dirty="0" err="1"/>
+              <a:t>Justify-content</a:t>
+            </a:r>
+            <a:r>
+              <a:rPr lang="es-ES" sz="2400" dirty="0"/>
+              <a:t>: </a:t>
+            </a:r>
+            <a:r>
+              <a:rPr lang="es-ES" sz="2400" dirty="0" err="1"/>
+              <a:t>space-between</a:t>
+            </a:r>
+            <a:endParaRPr lang="es-ES" sz="2400" dirty="0"/>
+          </a:p>
+          <a:p>
+            <a:r>
+              <a:rPr lang="es-ES" sz="2400" dirty="0"/>
+              <a:t>Flex-</a:t>
+            </a:r>
+            <a:r>
+              <a:rPr lang="es-ES" sz="2400" dirty="0" err="1"/>
+              <a:t>direction</a:t>
+            </a:r>
+            <a:r>
+              <a:rPr lang="es-ES" sz="2400" dirty="0"/>
+              <a:t> : </a:t>
+            </a:r>
+            <a:r>
+              <a:rPr lang="es-ES" sz="2400" dirty="0" err="1"/>
+              <a:t>column</a:t>
             </a:r>
             <a:r>
               <a:rPr lang="es-ES" sz="2400" dirty="0"/>
@@ -4604,81 +4632,23 @@
           </a:p>
           <a:p>
             <a:r>
-              <a:rPr lang="es-ES" sz="2400" dirty="0"/>
-              <a:t>Al contenedor de las </a:t>
-            </a:r>
-            <a:r>
               <a:rPr lang="es-ES" sz="2400" dirty="0" err="1"/>
-              <a:t>cards</a:t>
-            </a:r>
-            <a:r>
-              <a:rPr lang="es-ES" sz="2400" dirty="0"/>
-              <a:t> justificando en el centro del contenedor , para esto se aplica </a:t>
-            </a:r>
-            <a:r>
-              <a:rPr lang="es-ES" sz="2400" dirty="0" err="1"/>
-              <a:t>justify-content</a:t>
-            </a:r>
-            <a:r>
-              <a:rPr lang="es-ES" sz="2400" dirty="0"/>
-              <a:t>: </a:t>
-            </a:r>
-            <a:r>
-              <a:rPr lang="es-ES" sz="2400" dirty="0" err="1"/>
-              <a:t>space</a:t>
+              <a:t>Align-ítems:center</a:t>
             </a:r>
             <a:r>
               <a:rPr lang="es-ES" sz="2400" dirty="0"/>
               <a:t> </a:t>
             </a:r>
-            <a:r>
-              <a:rPr lang="es-ES" sz="2400" dirty="0" err="1"/>
-              <a:t>around</a:t>
-            </a:r>
-            <a:r>
-              <a:rPr lang="es-ES" sz="2400" dirty="0"/>
-              <a:t>. </a:t>
-            </a:r>
           </a:p>
           <a:p>
             <a:endParaRPr lang="es-CO" sz="2400" dirty="0"/>
           </a:p>
         </p:txBody>
       </p:sp>
-      <p:pic>
-        <p:nvPicPr>
-          <p:cNvPr id="3" name="Imagen 2">
-            <a:extLst>
-              <a:ext uri="{FF2B5EF4-FFF2-40B4-BE49-F238E27FC236}">
-                <a16:creationId xmlns:a16="http://schemas.microsoft.com/office/drawing/2014/main" id="{8CC4878F-04D0-4A47-8029-20E8D258CDC3}"/>
-              </a:ext>
-            </a:extLst>
-          </p:cNvPr>
-          <p:cNvPicPr>
-            <a:picLocks noChangeAspect="1"/>
-          </p:cNvPicPr>
-          <p:nvPr/>
-        </p:nvPicPr>
-        <p:blipFill>
-          <a:blip r:embed="rId4"/>
-          <a:stretch>
-            <a:fillRect/>
-          </a:stretch>
-        </p:blipFill>
-        <p:spPr>
-          <a:xfrm>
-            <a:off x="6288352" y="1630985"/>
-            <a:ext cx="3620005" cy="790685"/>
-          </a:xfrm>
-          <a:prstGeom prst="rect">
-            <a:avLst/>
-          </a:prstGeom>
-        </p:spPr>
-      </p:pic>
     </p:spTree>
     <p:extLst>
       <p:ext uri="{BB962C8B-B14F-4D97-AF65-F5344CB8AC3E}">
-        <p14:creationId xmlns:p14="http://schemas.microsoft.com/office/powerpoint/2010/main" val="1129184617"/>
+        <p14:creationId xmlns:p14="http://schemas.microsoft.com/office/powerpoint/2010/main" val="197875356"/>
       </p:ext>
     </p:extLst>
   </p:cSld>
@@ -4719,102 +4689,12 @@
           <a:chExt cx="0" cy="0"/>
         </a:xfrm>
       </p:grpSpPr>
-      <p:sp>
-        <p:nvSpPr>
-          <p:cNvPr id="7" name="CuadroTexto 6">
-            <a:extLst>
-              <a:ext uri="{FF2B5EF4-FFF2-40B4-BE49-F238E27FC236}">
-                <a16:creationId xmlns:a16="http://schemas.microsoft.com/office/drawing/2014/main" id="{B82879E7-2AC0-4DB4-922A-6FB3138B133F}"/>
-              </a:ext>
-            </a:extLst>
-          </p:cNvPr>
-          <p:cNvSpPr txBox="1"/>
-          <p:nvPr/>
-        </p:nvSpPr>
-        <p:spPr>
-          <a:xfrm>
-            <a:off x="621438" y="2570750"/>
-            <a:ext cx="5167825" cy="1200329"/>
-          </a:xfrm>
-          <a:prstGeom prst="rect">
-            <a:avLst/>
-          </a:prstGeom>
-          <a:noFill/>
-        </p:spPr>
-        <p:txBody>
-          <a:bodyPr wrap="none" rtlCol="0">
-            <a:spAutoFit/>
-          </a:bodyPr>
-          <a:lstStyle/>
-          <a:p>
-            <a:r>
-              <a:rPr lang="es-ES" dirty="0"/>
-              <a:t>Se agregan estilos al contenido de las </a:t>
-            </a:r>
-            <a:r>
-              <a:rPr lang="es-ES" dirty="0" err="1"/>
-              <a:t>cards</a:t>
-            </a:r>
-            <a:r>
-              <a:rPr lang="es-ES" dirty="0"/>
-              <a:t>.</a:t>
-            </a:r>
-          </a:p>
-          <a:p>
-            <a:r>
-              <a:rPr lang="es-ES" dirty="0"/>
-              <a:t>Se aplica display </a:t>
-            </a:r>
-            <a:r>
-              <a:rPr lang="es-ES" dirty="0" err="1"/>
-              <a:t>flex</a:t>
-            </a:r>
-            <a:r>
-              <a:rPr lang="es-ES" dirty="0"/>
-              <a:t> , </a:t>
-            </a:r>
-            <a:r>
-              <a:rPr lang="es-ES" dirty="0" err="1"/>
-              <a:t>flex</a:t>
-            </a:r>
-            <a:r>
-              <a:rPr lang="es-ES" dirty="0"/>
-              <a:t> </a:t>
-            </a:r>
-            <a:r>
-              <a:rPr lang="es-ES" dirty="0" err="1"/>
-              <a:t>direction</a:t>
-            </a:r>
-            <a:r>
-              <a:rPr lang="es-ES" dirty="0"/>
-              <a:t>: </a:t>
-            </a:r>
-            <a:r>
-              <a:rPr lang="es-ES" dirty="0" err="1"/>
-              <a:t>column</a:t>
-            </a:r>
-            <a:r>
-              <a:rPr lang="es-ES" dirty="0"/>
-              <a:t> </a:t>
-            </a:r>
-          </a:p>
-          <a:p>
-            <a:r>
-              <a:rPr lang="es-ES" dirty="0"/>
-              <a:t>Para que los elementos se formen de manera vertical</a:t>
-            </a:r>
-          </a:p>
-          <a:p>
-            <a:endParaRPr lang="es-CO" dirty="0"/>
-          </a:p>
-        </p:txBody>
-      </p:sp>
       <p:pic>
         <p:nvPicPr>
-          <p:cNvPr id="10" name="Imagen 9">
-            <a:extLst>
-              <a:ext uri="{FF2B5EF4-FFF2-40B4-BE49-F238E27FC236}">
-                <a16:creationId xmlns:a16="http://schemas.microsoft.com/office/drawing/2014/main" id="{91D16B48-02BD-4090-96A9-8FEF59E6046C}"/>
+          <p:cNvPr id="2" name="Imagen 1">
+            <a:extLst>
+              <a:ext uri="{FF2B5EF4-FFF2-40B4-BE49-F238E27FC236}">
+                <a16:creationId xmlns:a16="http://schemas.microsoft.com/office/drawing/2014/main" id="{EF4A88D4-C7DF-4C3F-8451-C71AA4F34643}"/>
               </a:ext>
             </a:extLst>
           </p:cNvPr>
@@ -4831,18 +4711,198 @@
         </p:blipFill>
         <p:spPr>
           <a:xfrm>
-            <a:off x="5789263" y="1741964"/>
-            <a:ext cx="6220693" cy="2857899"/>
+            <a:off x="6288352" y="4038142"/>
+            <a:ext cx="5382376" cy="1505160"/>
           </a:xfrm>
           <a:prstGeom prst="rect">
             <a:avLst/>
           </a:prstGeom>
         </p:spPr>
       </p:pic>
+      <p:sp>
+        <p:nvSpPr>
+          <p:cNvPr id="7" name="CuadroTexto 6">
+            <a:extLst>
+              <a:ext uri="{FF2B5EF4-FFF2-40B4-BE49-F238E27FC236}">
+                <a16:creationId xmlns:a16="http://schemas.microsoft.com/office/drawing/2014/main" id="{0FF2FF77-5E76-4B96-B619-313F8408BF9B}"/>
+              </a:ext>
+            </a:extLst>
+          </p:cNvPr>
+          <p:cNvSpPr txBox="1"/>
+          <p:nvPr/>
+        </p:nvSpPr>
+        <p:spPr>
+          <a:xfrm>
+            <a:off x="1216241" y="3755255"/>
+            <a:ext cx="4802819" cy="2308324"/>
+          </a:xfrm>
+          <a:prstGeom prst="rect">
+            <a:avLst/>
+          </a:prstGeom>
+          <a:noFill/>
+        </p:spPr>
+        <p:txBody>
+          <a:bodyPr wrap="square" rtlCol="0">
+            <a:spAutoFit/>
+          </a:bodyPr>
+          <a:lstStyle/>
+          <a:p>
+            <a:r>
+              <a:rPr lang="es-ES" sz="2400" dirty="0"/>
+              <a:t>Se agrega </a:t>
+            </a:r>
+            <a:r>
+              <a:rPr lang="es-ES" sz="2400" dirty="0" err="1"/>
+              <a:t>flex</a:t>
+            </a:r>
+            <a:r>
+              <a:rPr lang="es-ES" sz="2400" dirty="0"/>
+              <a:t>-box , </a:t>
+            </a:r>
+            <a:r>
+              <a:rPr lang="es-ES" sz="2400" dirty="0" err="1"/>
+              <a:t>diaplay</a:t>
+            </a:r>
+            <a:r>
+              <a:rPr lang="es-ES" sz="2400" dirty="0"/>
+              <a:t>: </a:t>
+            </a:r>
+            <a:r>
+              <a:rPr lang="es-ES" sz="2400" dirty="0" err="1"/>
+              <a:t>flex</a:t>
+            </a:r>
+            <a:r>
+              <a:rPr lang="es-ES" sz="2400" dirty="0"/>
+              <a:t> </a:t>
+            </a:r>
+          </a:p>
+          <a:p>
+            <a:r>
+              <a:rPr lang="es-ES" sz="2400" dirty="0"/>
+              <a:t>Al contenedor de las </a:t>
+            </a:r>
+            <a:r>
+              <a:rPr lang="es-ES" sz="2400" dirty="0" err="1"/>
+              <a:t>cards</a:t>
+            </a:r>
+            <a:r>
+              <a:rPr lang="es-ES" sz="2400" dirty="0"/>
+              <a:t> justificando en el centro del contenedor , para esto se aplica </a:t>
+            </a:r>
+            <a:r>
+              <a:rPr lang="es-ES" sz="2400" dirty="0" err="1"/>
+              <a:t>justify-content</a:t>
+            </a:r>
+            <a:r>
+              <a:rPr lang="es-ES" sz="2400" dirty="0"/>
+              <a:t>: </a:t>
+            </a:r>
+            <a:r>
+              <a:rPr lang="es-ES" sz="2400" dirty="0" err="1"/>
+              <a:t>space</a:t>
+            </a:r>
+            <a:r>
+              <a:rPr lang="es-ES" sz="2400" dirty="0"/>
+              <a:t> </a:t>
+            </a:r>
+            <a:r>
+              <a:rPr lang="es-ES" sz="2400" dirty="0" err="1"/>
+              <a:t>around</a:t>
+            </a:r>
+            <a:r>
+              <a:rPr lang="es-ES" sz="2400" dirty="0"/>
+              <a:t>. </a:t>
+            </a:r>
+          </a:p>
+          <a:p>
+            <a:endParaRPr lang="es-CO" sz="2400" dirty="0"/>
+          </a:p>
+        </p:txBody>
+      </p:sp>
+      <p:pic>
+        <p:nvPicPr>
+          <p:cNvPr id="3" name="Imagen 2">
+            <a:extLst>
+              <a:ext uri="{FF2B5EF4-FFF2-40B4-BE49-F238E27FC236}">
+                <a16:creationId xmlns:a16="http://schemas.microsoft.com/office/drawing/2014/main" id="{8CC4878F-04D0-4A47-8029-20E8D258CDC3}"/>
+              </a:ext>
+            </a:extLst>
+          </p:cNvPr>
+          <p:cNvPicPr>
+            <a:picLocks noChangeAspect="1"/>
+          </p:cNvPicPr>
+          <p:nvPr/>
+        </p:nvPicPr>
+        <p:blipFill>
+          <a:blip r:embed="rId4"/>
+          <a:stretch>
+            <a:fillRect/>
+          </a:stretch>
+        </p:blipFill>
+        <p:spPr>
+          <a:xfrm>
+            <a:off x="6288352" y="1630985"/>
+            <a:ext cx="3620005" cy="790685"/>
+          </a:xfrm>
+          <a:prstGeom prst="rect">
+            <a:avLst/>
+          </a:prstGeom>
+        </p:spPr>
+      </p:pic>
+      <p:sp>
+        <p:nvSpPr>
+          <p:cNvPr id="4" name="CuadroTexto 3">
+            <a:extLst>
+              <a:ext uri="{FF2B5EF4-FFF2-40B4-BE49-F238E27FC236}">
+                <a16:creationId xmlns:a16="http://schemas.microsoft.com/office/drawing/2014/main" id="{CF2571F9-FE8B-412C-8DA3-3102E7635EF9}"/>
+              </a:ext>
+            </a:extLst>
+          </p:cNvPr>
+          <p:cNvSpPr txBox="1"/>
+          <p:nvPr/>
+        </p:nvSpPr>
+        <p:spPr>
+          <a:xfrm>
+            <a:off x="1216241" y="1703161"/>
+            <a:ext cx="4440831" cy="646331"/>
+          </a:xfrm>
+          <a:prstGeom prst="rect">
+            <a:avLst/>
+          </a:prstGeom>
+          <a:noFill/>
+        </p:spPr>
+        <p:txBody>
+          <a:bodyPr wrap="none" rtlCol="0">
+            <a:spAutoFit/>
+          </a:bodyPr>
+          <a:lstStyle/>
+          <a:p>
+            <a:r>
+              <a:rPr lang="es-ES" dirty="0"/>
+              <a:t>Se agrega display </a:t>
+            </a:r>
+            <a:r>
+              <a:rPr lang="es-ES" dirty="0" err="1"/>
+              <a:t>flex</a:t>
+            </a:r>
+            <a:r>
+              <a:rPr lang="es-ES" dirty="0"/>
+              <a:t> al menú de navegación </a:t>
+            </a:r>
+          </a:p>
+          <a:p>
+            <a:r>
+              <a:rPr lang="es-ES" dirty="0"/>
+              <a:t>Remplazando  position relative </a:t>
+            </a:r>
+            <a:endParaRPr lang="es-CO" dirty="0"/>
+          </a:p>
+        </p:txBody>
+      </p:sp>
     </p:spTree>
     <p:extLst>
       <p:ext uri="{BB962C8B-B14F-4D97-AF65-F5344CB8AC3E}">
-        <p14:creationId xmlns:p14="http://schemas.microsoft.com/office/powerpoint/2010/main" val="3038000178"/>
+        <p14:creationId xmlns:p14="http://schemas.microsoft.com/office/powerpoint/2010/main" val="1129184617"/>
       </p:ext>
     </p:extLst>
   </p:cSld>
@@ -4883,12 +4943,102 @@
           <a:chExt cx="0" cy="0"/>
         </a:xfrm>
       </p:grpSpPr>
+      <p:sp>
+        <p:nvSpPr>
+          <p:cNvPr id="7" name="CuadroTexto 6">
+            <a:extLst>
+              <a:ext uri="{FF2B5EF4-FFF2-40B4-BE49-F238E27FC236}">
+                <a16:creationId xmlns:a16="http://schemas.microsoft.com/office/drawing/2014/main" id="{B82879E7-2AC0-4DB4-922A-6FB3138B133F}"/>
+              </a:ext>
+            </a:extLst>
+          </p:cNvPr>
+          <p:cNvSpPr txBox="1"/>
+          <p:nvPr/>
+        </p:nvSpPr>
+        <p:spPr>
+          <a:xfrm>
+            <a:off x="621438" y="2570750"/>
+            <a:ext cx="5167825" cy="1200329"/>
+          </a:xfrm>
+          <a:prstGeom prst="rect">
+            <a:avLst/>
+          </a:prstGeom>
+          <a:noFill/>
+        </p:spPr>
+        <p:txBody>
+          <a:bodyPr wrap="none" rtlCol="0">
+            <a:spAutoFit/>
+          </a:bodyPr>
+          <a:lstStyle/>
+          <a:p>
+            <a:r>
+              <a:rPr lang="es-ES" dirty="0"/>
+              <a:t>Se agregan estilos al contenido de las </a:t>
+            </a:r>
+            <a:r>
+              <a:rPr lang="es-ES" dirty="0" err="1"/>
+              <a:t>cards</a:t>
+            </a:r>
+            <a:r>
+              <a:rPr lang="es-ES" dirty="0"/>
+              <a:t>.</a:t>
+            </a:r>
+          </a:p>
+          <a:p>
+            <a:r>
+              <a:rPr lang="es-ES" dirty="0"/>
+              <a:t>Se aplica display </a:t>
+            </a:r>
+            <a:r>
+              <a:rPr lang="es-ES" dirty="0" err="1"/>
+              <a:t>flex</a:t>
+            </a:r>
+            <a:r>
+              <a:rPr lang="es-ES" dirty="0"/>
+              <a:t> , </a:t>
+            </a:r>
+            <a:r>
+              <a:rPr lang="es-ES" dirty="0" err="1"/>
+              <a:t>flex</a:t>
+            </a:r>
+            <a:r>
+              <a:rPr lang="es-ES" dirty="0"/>
+              <a:t> </a:t>
+            </a:r>
+            <a:r>
+              <a:rPr lang="es-ES" dirty="0" err="1"/>
+              <a:t>direction</a:t>
+            </a:r>
+            <a:r>
+              <a:rPr lang="es-ES" dirty="0"/>
+              <a:t>: </a:t>
+            </a:r>
+            <a:r>
+              <a:rPr lang="es-ES" dirty="0" err="1"/>
+              <a:t>column</a:t>
+            </a:r>
+            <a:r>
+              <a:rPr lang="es-ES" dirty="0"/>
+              <a:t> </a:t>
+            </a:r>
+          </a:p>
+          <a:p>
+            <a:r>
+              <a:rPr lang="es-ES" dirty="0"/>
+              <a:t>Para que los elementos se formen de manera vertical</a:t>
+            </a:r>
+          </a:p>
+          <a:p>
+            <a:endParaRPr lang="es-CO" dirty="0"/>
+          </a:p>
+        </p:txBody>
+      </p:sp>
       <p:pic>
         <p:nvPicPr>
-          <p:cNvPr id="5" name="Imagen 4">
-            <a:extLst>
-              <a:ext uri="{FF2B5EF4-FFF2-40B4-BE49-F238E27FC236}">
-                <a16:creationId xmlns:a16="http://schemas.microsoft.com/office/drawing/2014/main" id="{25EC2CFF-EDB3-44A3-B17A-7CD3E807782F}"/>
+          <p:cNvPr id="10" name="Imagen 9">
+            <a:extLst>
+              <a:ext uri="{FF2B5EF4-FFF2-40B4-BE49-F238E27FC236}">
+                <a16:creationId xmlns:a16="http://schemas.microsoft.com/office/drawing/2014/main" id="{91D16B48-02BD-4090-96A9-8FEF59E6046C}"/>
               </a:ext>
             </a:extLst>
           </p:cNvPr>
@@ -4905,210 +5055,8 @@
         </p:blipFill>
         <p:spPr>
           <a:xfrm>
-            <a:off x="6196613" y="2304893"/>
-            <a:ext cx="3143689" cy="1124107"/>
-          </a:xfrm>
-          <a:prstGeom prst="rect">
-            <a:avLst/>
-          </a:prstGeom>
-        </p:spPr>
-      </p:pic>
-      <p:pic>
-        <p:nvPicPr>
-          <p:cNvPr id="6" name="Imagen 5">
-            <a:extLst>
-              <a:ext uri="{FF2B5EF4-FFF2-40B4-BE49-F238E27FC236}">
-                <a16:creationId xmlns:a16="http://schemas.microsoft.com/office/drawing/2014/main" id="{A1778142-027C-4CF1-8406-E9E8124E2C58}"/>
-              </a:ext>
-            </a:extLst>
-          </p:cNvPr>
-          <p:cNvPicPr>
-            <a:picLocks noChangeAspect="1"/>
-          </p:cNvPicPr>
-          <p:nvPr/>
-        </p:nvPicPr>
-        <p:blipFill>
-          <a:blip r:embed="rId4"/>
-          <a:stretch>
-            <a:fillRect/>
-          </a:stretch>
-        </p:blipFill>
-        <p:spPr>
-          <a:xfrm>
-            <a:off x="6196613" y="1667806"/>
-            <a:ext cx="5825398" cy="583982"/>
-          </a:xfrm>
-          <a:prstGeom prst="rect">
-            <a:avLst/>
-          </a:prstGeom>
-        </p:spPr>
-      </p:pic>
-      <p:sp>
-        <p:nvSpPr>
-          <p:cNvPr id="7" name="CuadroTexto 6">
-            <a:extLst>
-              <a:ext uri="{FF2B5EF4-FFF2-40B4-BE49-F238E27FC236}">
-                <a16:creationId xmlns:a16="http://schemas.microsoft.com/office/drawing/2014/main" id="{6CDDA0F4-6004-4CD4-A7EA-314A019260CF}"/>
-              </a:ext>
-            </a:extLst>
-          </p:cNvPr>
-          <p:cNvSpPr txBox="1"/>
-          <p:nvPr/>
-        </p:nvSpPr>
-        <p:spPr>
-          <a:xfrm>
-            <a:off x="362407" y="1566229"/>
-            <a:ext cx="5647810" cy="1477328"/>
-          </a:xfrm>
-          <a:prstGeom prst="rect">
-            <a:avLst/>
-          </a:prstGeom>
-          <a:noFill/>
-        </p:spPr>
-        <p:txBody>
-          <a:bodyPr wrap="square" rtlCol="0">
-            <a:spAutoFit/>
-          </a:bodyPr>
-          <a:lstStyle/>
-          <a:p>
-            <a:r>
-              <a:rPr lang="es-ES" b="1" dirty="0"/>
-              <a:t>Botones</a:t>
-            </a:r>
-          </a:p>
-          <a:p>
-            <a:r>
-              <a:rPr lang="es-ES" dirty="0"/>
-              <a:t>Se aplica estilos display </a:t>
-            </a:r>
-            <a:r>
-              <a:rPr lang="es-ES" dirty="0" err="1"/>
-              <a:t>flex</a:t>
-            </a:r>
-            <a:r>
-              <a:rPr lang="es-ES" dirty="0"/>
-              <a:t> a los botones , </a:t>
-            </a:r>
-            <a:r>
-              <a:rPr lang="es-ES" dirty="0" err="1"/>
-              <a:t>flex</a:t>
-            </a:r>
-            <a:r>
-              <a:rPr lang="es-ES" dirty="0"/>
-              <a:t> </a:t>
-            </a:r>
-            <a:r>
-              <a:rPr lang="es-ES" dirty="0" err="1"/>
-              <a:t>direction</a:t>
-            </a:r>
-            <a:r>
-              <a:rPr lang="es-ES" dirty="0"/>
-              <a:t> </a:t>
-            </a:r>
-            <a:r>
-              <a:rPr lang="es-ES" dirty="0" err="1"/>
-              <a:t>column</a:t>
-            </a:r>
-            <a:r>
-              <a:rPr lang="es-ES" dirty="0"/>
-              <a:t> </a:t>
-            </a:r>
-          </a:p>
-          <a:p>
-            <a:r>
-              <a:rPr lang="es-ES" dirty="0"/>
-              <a:t>Para que se formen de manera vertical  </a:t>
-            </a:r>
-          </a:p>
-          <a:p>
-            <a:endParaRPr lang="es-CO" dirty="0"/>
-          </a:p>
-        </p:txBody>
-      </p:sp>
-      <p:sp>
-        <p:nvSpPr>
-          <p:cNvPr id="8" name="CuadroTexto 7">
-            <a:extLst>
-              <a:ext uri="{FF2B5EF4-FFF2-40B4-BE49-F238E27FC236}">
-                <a16:creationId xmlns:a16="http://schemas.microsoft.com/office/drawing/2014/main" id="{B1B2CC64-5CA5-4A27-B5B0-4267384AA390}"/>
-              </a:ext>
-            </a:extLst>
-          </p:cNvPr>
-          <p:cNvSpPr txBox="1"/>
-          <p:nvPr/>
-        </p:nvSpPr>
-        <p:spPr>
-          <a:xfrm>
-            <a:off x="362407" y="3814444"/>
-            <a:ext cx="5175071" cy="923330"/>
-          </a:xfrm>
-          <a:prstGeom prst="rect">
-            <a:avLst/>
-          </a:prstGeom>
-          <a:noFill/>
-        </p:spPr>
-        <p:txBody>
-          <a:bodyPr wrap="none" rtlCol="0">
-            <a:spAutoFit/>
-          </a:bodyPr>
-          <a:lstStyle/>
-          <a:p>
-            <a:r>
-              <a:rPr lang="es-ES" dirty="0"/>
-              <a:t>Estilos al contenedor de las </a:t>
-            </a:r>
-            <a:r>
-              <a:rPr lang="es-ES" dirty="0" err="1"/>
-              <a:t>cards</a:t>
-            </a:r>
-            <a:r>
-              <a:rPr lang="es-ES" dirty="0"/>
-              <a:t> en la media </a:t>
-            </a:r>
-            <a:r>
-              <a:rPr lang="es-ES" dirty="0" err="1"/>
-              <a:t>queries</a:t>
-            </a:r>
-            <a:endParaRPr lang="es-ES" dirty="0"/>
-          </a:p>
-          <a:p>
-            <a:r>
-              <a:rPr lang="es-ES" dirty="0"/>
-              <a:t>Para que estas se formen de manera vertical </a:t>
-            </a:r>
-          </a:p>
-          <a:p>
-            <a:r>
-              <a:rPr lang="es-ES" dirty="0"/>
-              <a:t>y se acomode a un móvil</a:t>
-            </a:r>
-          </a:p>
-        </p:txBody>
-      </p:sp>
-      <p:pic>
-        <p:nvPicPr>
-          <p:cNvPr id="9" name="Imagen 8">
-            <a:extLst>
-              <a:ext uri="{FF2B5EF4-FFF2-40B4-BE49-F238E27FC236}">
-                <a16:creationId xmlns:a16="http://schemas.microsoft.com/office/drawing/2014/main" id="{B806BF64-DC0D-457D-938D-D4E393F11B38}"/>
-              </a:ext>
-            </a:extLst>
-          </p:cNvPr>
-          <p:cNvPicPr>
-            <a:picLocks noChangeAspect="1"/>
-          </p:cNvPicPr>
-          <p:nvPr/>
-        </p:nvPicPr>
-        <p:blipFill>
-          <a:blip r:embed="rId5"/>
-          <a:stretch>
-            <a:fillRect/>
-          </a:stretch>
-        </p:blipFill>
-        <p:spPr>
-          <a:xfrm>
-            <a:off x="6196613" y="3570718"/>
-            <a:ext cx="3286584" cy="1619476"/>
+            <a:off x="5789263" y="1741964"/>
+            <a:ext cx="6220693" cy="2857899"/>
           </a:xfrm>
           <a:prstGeom prst="rect">
             <a:avLst/>
@@ -5118,7 +5066,7 @@
     </p:spTree>
     <p:extLst>
       <p:ext uri="{BB962C8B-B14F-4D97-AF65-F5344CB8AC3E}">
-        <p14:creationId xmlns:p14="http://schemas.microsoft.com/office/powerpoint/2010/main" val="458058105"/>
+        <p14:creationId xmlns:p14="http://schemas.microsoft.com/office/powerpoint/2010/main" val="3038000178"/>
       </p:ext>
     </p:extLst>
   </p:cSld>
@@ -5159,6 +5107,282 @@
           <a:chExt cx="0" cy="0"/>
         </a:xfrm>
       </p:grpSpPr>
+      <p:pic>
+        <p:nvPicPr>
+          <p:cNvPr id="5" name="Imagen 4">
+            <a:extLst>
+              <a:ext uri="{FF2B5EF4-FFF2-40B4-BE49-F238E27FC236}">
+                <a16:creationId xmlns:a16="http://schemas.microsoft.com/office/drawing/2014/main" id="{25EC2CFF-EDB3-44A3-B17A-7CD3E807782F}"/>
+              </a:ext>
+            </a:extLst>
+          </p:cNvPr>
+          <p:cNvPicPr>
+            <a:picLocks noChangeAspect="1"/>
+          </p:cNvPicPr>
+          <p:nvPr/>
+        </p:nvPicPr>
+        <p:blipFill>
+          <a:blip r:embed="rId3"/>
+          <a:stretch>
+            <a:fillRect/>
+          </a:stretch>
+        </p:blipFill>
+        <p:spPr>
+          <a:xfrm>
+            <a:off x="6196613" y="2304893"/>
+            <a:ext cx="3143689" cy="1124107"/>
+          </a:xfrm>
+          <a:prstGeom prst="rect">
+            <a:avLst/>
+          </a:prstGeom>
+        </p:spPr>
+      </p:pic>
+      <p:pic>
+        <p:nvPicPr>
+          <p:cNvPr id="6" name="Imagen 5">
+            <a:extLst>
+              <a:ext uri="{FF2B5EF4-FFF2-40B4-BE49-F238E27FC236}">
+                <a16:creationId xmlns:a16="http://schemas.microsoft.com/office/drawing/2014/main" id="{A1778142-027C-4CF1-8406-E9E8124E2C58}"/>
+              </a:ext>
+            </a:extLst>
+          </p:cNvPr>
+          <p:cNvPicPr>
+            <a:picLocks noChangeAspect="1"/>
+          </p:cNvPicPr>
+          <p:nvPr/>
+        </p:nvPicPr>
+        <p:blipFill>
+          <a:blip r:embed="rId4"/>
+          <a:stretch>
+            <a:fillRect/>
+          </a:stretch>
+        </p:blipFill>
+        <p:spPr>
+          <a:xfrm>
+            <a:off x="6196613" y="1667806"/>
+            <a:ext cx="5825398" cy="583982"/>
+          </a:xfrm>
+          <a:prstGeom prst="rect">
+            <a:avLst/>
+          </a:prstGeom>
+        </p:spPr>
+      </p:pic>
+      <p:sp>
+        <p:nvSpPr>
+          <p:cNvPr id="7" name="CuadroTexto 6">
+            <a:extLst>
+              <a:ext uri="{FF2B5EF4-FFF2-40B4-BE49-F238E27FC236}">
+                <a16:creationId xmlns:a16="http://schemas.microsoft.com/office/drawing/2014/main" id="{6CDDA0F4-6004-4CD4-A7EA-314A019260CF}"/>
+              </a:ext>
+            </a:extLst>
+          </p:cNvPr>
+          <p:cNvSpPr txBox="1"/>
+          <p:nvPr/>
+        </p:nvSpPr>
+        <p:spPr>
+          <a:xfrm>
+            <a:off x="362407" y="1566229"/>
+            <a:ext cx="5647810" cy="1477328"/>
+          </a:xfrm>
+          <a:prstGeom prst="rect">
+            <a:avLst/>
+          </a:prstGeom>
+          <a:noFill/>
+        </p:spPr>
+        <p:txBody>
+          <a:bodyPr wrap="square" rtlCol="0">
+            <a:spAutoFit/>
+          </a:bodyPr>
+          <a:lstStyle/>
+          <a:p>
+            <a:r>
+              <a:rPr lang="es-ES" b="1" dirty="0"/>
+              <a:t>Botones</a:t>
+            </a:r>
+          </a:p>
+          <a:p>
+            <a:r>
+              <a:rPr lang="es-ES" dirty="0"/>
+              <a:t>Se aplica estilos display </a:t>
+            </a:r>
+            <a:r>
+              <a:rPr lang="es-ES" dirty="0" err="1"/>
+              <a:t>flex</a:t>
+            </a:r>
+            <a:r>
+              <a:rPr lang="es-ES" dirty="0"/>
+              <a:t> a los botones , </a:t>
+            </a:r>
+            <a:r>
+              <a:rPr lang="es-ES" dirty="0" err="1"/>
+              <a:t>flex</a:t>
+            </a:r>
+            <a:r>
+              <a:rPr lang="es-ES" dirty="0"/>
+              <a:t> </a:t>
+            </a:r>
+            <a:r>
+              <a:rPr lang="es-ES" dirty="0" err="1"/>
+              <a:t>direction</a:t>
+            </a:r>
+            <a:r>
+              <a:rPr lang="es-ES" dirty="0"/>
+              <a:t> </a:t>
+            </a:r>
+            <a:r>
+              <a:rPr lang="es-ES" dirty="0" err="1"/>
+              <a:t>column</a:t>
+            </a:r>
+            <a:r>
+              <a:rPr lang="es-ES" dirty="0"/>
+              <a:t> </a:t>
+            </a:r>
+          </a:p>
+          <a:p>
+            <a:r>
+              <a:rPr lang="es-ES" dirty="0"/>
+              <a:t>Para que se formen de manera vertical  </a:t>
+            </a:r>
+          </a:p>
+          <a:p>
+            <a:endParaRPr lang="es-CO" dirty="0"/>
+          </a:p>
+        </p:txBody>
+      </p:sp>
+      <p:sp>
+        <p:nvSpPr>
+          <p:cNvPr id="8" name="CuadroTexto 7">
+            <a:extLst>
+              <a:ext uri="{FF2B5EF4-FFF2-40B4-BE49-F238E27FC236}">
+                <a16:creationId xmlns:a16="http://schemas.microsoft.com/office/drawing/2014/main" id="{B1B2CC64-5CA5-4A27-B5B0-4267384AA390}"/>
+              </a:ext>
+            </a:extLst>
+          </p:cNvPr>
+          <p:cNvSpPr txBox="1"/>
+          <p:nvPr/>
+        </p:nvSpPr>
+        <p:spPr>
+          <a:xfrm>
+            <a:off x="362407" y="3814444"/>
+            <a:ext cx="5175071" cy="923330"/>
+          </a:xfrm>
+          <a:prstGeom prst="rect">
+            <a:avLst/>
+          </a:prstGeom>
+          <a:noFill/>
+        </p:spPr>
+        <p:txBody>
+          <a:bodyPr wrap="none" rtlCol="0">
+            <a:spAutoFit/>
+          </a:bodyPr>
+          <a:lstStyle/>
+          <a:p>
+            <a:r>
+              <a:rPr lang="es-ES" dirty="0"/>
+              <a:t>Estilos al contenedor de las </a:t>
+            </a:r>
+            <a:r>
+              <a:rPr lang="es-ES" dirty="0" err="1"/>
+              <a:t>cards</a:t>
+            </a:r>
+            <a:r>
+              <a:rPr lang="es-ES" dirty="0"/>
+              <a:t> en la media </a:t>
+            </a:r>
+            <a:r>
+              <a:rPr lang="es-ES" dirty="0" err="1"/>
+              <a:t>queries</a:t>
+            </a:r>
+            <a:endParaRPr lang="es-ES" dirty="0"/>
+          </a:p>
+          <a:p>
+            <a:r>
+              <a:rPr lang="es-ES" dirty="0"/>
+              <a:t>Para que estas se formen de manera vertical </a:t>
+            </a:r>
+          </a:p>
+          <a:p>
+            <a:r>
+              <a:rPr lang="es-ES" dirty="0"/>
+              <a:t>y se acomode a un móvil</a:t>
+            </a:r>
+          </a:p>
+        </p:txBody>
+      </p:sp>
+      <p:pic>
+        <p:nvPicPr>
+          <p:cNvPr id="9" name="Imagen 8">
+            <a:extLst>
+              <a:ext uri="{FF2B5EF4-FFF2-40B4-BE49-F238E27FC236}">
+                <a16:creationId xmlns:a16="http://schemas.microsoft.com/office/drawing/2014/main" id="{B806BF64-DC0D-457D-938D-D4E393F11B38}"/>
+              </a:ext>
+            </a:extLst>
+          </p:cNvPr>
+          <p:cNvPicPr>
+            <a:picLocks noChangeAspect="1"/>
+          </p:cNvPicPr>
+          <p:nvPr/>
+        </p:nvPicPr>
+        <p:blipFill>
+          <a:blip r:embed="rId5"/>
+          <a:stretch>
+            <a:fillRect/>
+          </a:stretch>
+        </p:blipFill>
+        <p:spPr>
+          <a:xfrm>
+            <a:off x="6196613" y="3570718"/>
+            <a:ext cx="3286584" cy="1619476"/>
+          </a:xfrm>
+          <a:prstGeom prst="rect">
+            <a:avLst/>
+          </a:prstGeom>
+        </p:spPr>
+      </p:pic>
+    </p:spTree>
+    <p:extLst>
+      <p:ext uri="{BB962C8B-B14F-4D97-AF65-F5344CB8AC3E}">
+        <p14:creationId xmlns:p14="http://schemas.microsoft.com/office/powerpoint/2010/main" val="458058105"/>
+      </p:ext>
+    </p:extLst>
+  </p:cSld>
+  <p:clrMapOvr>
+    <a:masterClrMapping/>
+  </p:clrMapOvr>
+</p:sld>
+</file>
+
+<file path=ppt/slides/slide7.xml><?xml version="1.0" encoding="utf-8"?>
+<p:sld xmlns:a="http://schemas.openxmlformats.org/drawingml/2006/main" xmlns:r="http://schemas.openxmlformats.org/officeDocument/2006/relationships" xmlns:p="http://schemas.openxmlformats.org/presentationml/2006/main">
+  <p:cSld>
+    <p:bg>
+      <p:bgPr>
+        <a:blipFill dpi="0" rotWithShape="1">
+          <a:blip r:embed="rId2">
+            <a:lum/>
+          </a:blip>
+          <a:srcRect/>
+          <a:stretch>
+            <a:fillRect/>
+          </a:stretch>
+        </a:blipFill>
+        <a:effectLst/>
+      </p:bgPr>
+    </p:bg>
+    <p:spTree>
+      <p:nvGrpSpPr>
+        <p:cNvPr id="1" name=""/>
+        <p:cNvGrpSpPr/>
+        <p:nvPr/>
+      </p:nvGrpSpPr>
+      <p:grpSpPr>
+        <a:xfrm>
+          <a:off x="0" y="0"/>
+          <a:ext cx="0" cy="0"/>
+          <a:chOff x="0" y="0"/>
+          <a:chExt cx="0" cy="0"/>
+        </a:xfrm>
+      </p:grpSpPr>
       <p:sp>
         <p:nvSpPr>
           <p:cNvPr id="4" name="CuadroTexto 3">
@@ -5216,7 +5440,7 @@
 </p:sld>
 </file>
 
-<file path=ppt/slides/slide7.xml><?xml version="1.0" encoding="utf-8"?>
+<file path=ppt/slides/slide8.xml><?xml version="1.0" encoding="utf-8"?>
 <p:sld xmlns:a="http://schemas.openxmlformats.org/drawingml/2006/main" xmlns:r="http://schemas.openxmlformats.org/officeDocument/2006/relationships" xmlns:p="http://schemas.openxmlformats.org/presentationml/2006/main">
   <p:cSld>
     <p:bg>
